--- a/MSNet.pptx
+++ b/MSNet.pptx
@@ -1419,6 +1419,143 @@
             <a:noAutofit/>
           </a:bodyPr>
           <a:lstStyle/>
+          <a:p>
+            <a:pPr marL="0" marR="0" lvl="0" indent="0" algn="l" defTabSz="914400" rtl="0" eaLnBrk="1" fontAlgn="auto" latinLnBrk="0" hangingPunct="1">
+              <a:lnSpc>
+                <a:spcPct val="100000"/>
+              </a:lnSpc>
+              <a:spcBef>
+                <a:spcPts val="0"/>
+              </a:spcBef>
+              <a:spcAft>
+                <a:spcPts val="0"/>
+              </a:spcAft>
+              <a:buClr>
+                <a:srgbClr val="000000"/>
+              </a:buClr>
+              <a:buSzPts val="1400"/>
+              <a:buFont typeface="Arial"/>
+              <a:buNone/>
+              <a:tabLst/>
+              <a:defRPr/>
+            </a:pPr>
+            <a:r>
+              <a:rPr lang="en-US"/>
+              <a:t>- </a:t>
+            </a:r>
+            <a:r>
+              <a:rPr lang="vi-VN"/>
+              <a:t>Tìm hiểu về bài toán bao gồm: thách thức, hướng giải quyết, phương pháp đã được đề xuất trước đó, độ đo và bộ dữ liệu công khai được sử dụng.</a:t>
+            </a:r>
+            <a:endParaRPr lang="en-US"/>
+          </a:p>
+          <a:p>
+            <a:pPr marL="171450" marR="0" lvl="0" indent="-171450" algn="l" defTabSz="914400" rtl="0" eaLnBrk="1" fontAlgn="auto" latinLnBrk="0" hangingPunct="1">
+              <a:lnSpc>
+                <a:spcPct val="100000"/>
+              </a:lnSpc>
+              <a:spcBef>
+                <a:spcPts val="0"/>
+              </a:spcBef>
+              <a:spcAft>
+                <a:spcPts val="0"/>
+              </a:spcAft>
+              <a:buClr>
+                <a:srgbClr val="000000"/>
+              </a:buClr>
+              <a:buSzPts val="1400"/>
+              <a:buFontTx/>
+              <a:buChar char="-"/>
+              <a:tabLst/>
+              <a:defRPr/>
+            </a:pPr>
+            <a:r>
+              <a:rPr lang="vi-VN"/>
+              <a:t>Phân tích những mô hình có </a:t>
+            </a:r>
+            <a:r>
+              <a:rPr lang="en-US"/>
+              <a:t>sẵn</a:t>
+            </a:r>
+            <a:r>
+              <a:rPr lang="vi-VN"/>
+              <a:t>. Tìm ra những ưu, nhược điểm của từng mô hình. Kết hợp với các phương pháp có sẵn, sửa đổi thử nghiệm các phiên bản khác nhau để tìm ra mô hình có kết quả cao nhất.</a:t>
+            </a:r>
+            <a:endParaRPr lang="en-US"/>
+          </a:p>
+          <a:p>
+            <a:pPr marL="171450" marR="0" lvl="0" indent="-171450" algn="l" defTabSz="914400" rtl="0" eaLnBrk="1" fontAlgn="auto" latinLnBrk="0" hangingPunct="1">
+              <a:lnSpc>
+                <a:spcPct val="100000"/>
+              </a:lnSpc>
+              <a:spcBef>
+                <a:spcPts val="0"/>
+              </a:spcBef>
+              <a:spcAft>
+                <a:spcPts val="0"/>
+              </a:spcAft>
+              <a:buClr>
+                <a:srgbClr val="000000"/>
+              </a:buClr>
+              <a:buSzPts val="1400"/>
+              <a:buFontTx/>
+              <a:buChar char="-"/>
+              <a:tabLst/>
+              <a:defRPr/>
+            </a:pPr>
+            <a:r>
+              <a:rPr lang="vi-VN"/>
+              <a:t>Xây dựng các mô hình và đưa ra đánh giá.</a:t>
+            </a:r>
+            <a:endParaRPr lang="en-US"/>
+          </a:p>
+          <a:p>
+            <a:pPr marL="171450" marR="0" lvl="0" indent="-171450" algn="l" defTabSz="914400" rtl="0" eaLnBrk="1" fontAlgn="auto" latinLnBrk="0" hangingPunct="1">
+              <a:lnSpc>
+                <a:spcPct val="100000"/>
+              </a:lnSpc>
+              <a:spcBef>
+                <a:spcPts val="0"/>
+              </a:spcBef>
+              <a:spcAft>
+                <a:spcPts val="0"/>
+              </a:spcAft>
+              <a:buClr>
+                <a:srgbClr val="000000"/>
+              </a:buClr>
+              <a:buSzPts val="1400"/>
+              <a:buFontTx/>
+              <a:buChar char="-"/>
+              <a:tabLst/>
+              <a:defRPr/>
+            </a:pPr>
+            <a:r>
+              <a:rPr lang="vi-VN"/>
+              <a:t>Xây dựng chương trình ứng dụng minh họa.</a:t>
+            </a:r>
+          </a:p>
+          <a:p>
+            <a:pPr marL="0" marR="0" lvl="0" indent="0" algn="l" defTabSz="914400" rtl="0" eaLnBrk="1" fontAlgn="auto" latinLnBrk="0" hangingPunct="1">
+              <a:lnSpc>
+                <a:spcPct val="100000"/>
+              </a:lnSpc>
+              <a:spcBef>
+                <a:spcPts val="0"/>
+              </a:spcBef>
+              <a:spcAft>
+                <a:spcPts val="0"/>
+              </a:spcAft>
+              <a:buClr>
+                <a:srgbClr val="000000"/>
+              </a:buClr>
+              <a:buSzPts val="1400"/>
+              <a:buFont typeface="Arial"/>
+              <a:buNone/>
+              <a:tabLst/>
+              <a:defRPr/>
+            </a:pPr>
+            <a:endParaRPr lang="vi-VN"/>
+          </a:p>
           <a:p>
             <a:pPr marL="0" lvl="0" indent="0" algn="l" rtl="0">
               <a:spcBef>
@@ -7732,15 +7869,6 @@
           </a:bodyPr>
           <a:lstStyle/>
           <a:p>
-            <a:pPr marL="0" lvl="0" indent="0" algn="l" rtl="0">
-              <a:spcBef>
-                <a:spcPts val="0"/>
-              </a:spcBef>
-              <a:spcAft>
-                <a:spcPts val="0"/>
-              </a:spcAft>
-              <a:buNone/>
-            </a:pPr>
             <a:r>
               <a:rPr lang="en" sz="2400" b="1" dirty="0"/>
               <a:t>Nguyễn Văn </a:t>
@@ -7751,40 +7879,51 @@
             </a:r>
             <a:r>
               <a:rPr lang="en" sz="2400" b="1" dirty="0"/>
-              <a:t> – </a:t>
-            </a:r>
-            <a:r>
-              <a:rPr lang="vi-VN" sz="2400" b="1" dirty="0"/>
+              <a:t> </a:t>
+            </a:r>
+            <a:r>
+              <a:rPr lang="en" sz="2400" b="1"/>
+              <a:t>– </a:t>
+            </a:r>
+            <a:r>
+              <a:rPr lang="vi-VN" sz="2400" b="1"/>
               <a:t>20522028</a:t>
+            </a:r>
+            <a:br>
+              <a:rPr lang="en-US" sz="2400" b="1"/>
+            </a:br>
+            <a:r>
+              <a:rPr lang="vi-VN" sz="2400" b="1"/>
+              <a:t>Lê Trọng Hảo </a:t>
+            </a:r>
+            <a:r>
+              <a:rPr lang="en" sz="2400" b="1"/>
+              <a:t>–</a:t>
+            </a:r>
+            <a:r>
+              <a:rPr lang="vi-VN" sz="2400" b="1"/>
+              <a:t> 20520178</a:t>
             </a:r>
             <a:br>
               <a:rPr lang="vi-VN" sz="2400" b="1" dirty="0"/>
             </a:br>
             <a:r>
               <a:rPr lang="vi-VN" sz="2400" b="1" dirty="0"/>
-              <a:t>Phạm Tấn Tài - 20521861</a:t>
+              <a:t>Phạm Tấn </a:t>
+            </a:r>
+            <a:r>
+              <a:rPr lang="vi-VN" sz="2400" b="1"/>
+              <a:t>Tài </a:t>
+            </a:r>
+            <a:r>
+              <a:rPr lang="en" sz="2400" b="1"/>
+              <a:t>–</a:t>
+            </a:r>
+            <a:r>
+              <a:rPr lang="vi-VN" sz="2400" b="1"/>
+              <a:t> 20521861</a:t>
             </a:r>
             <a:endParaRPr sz="2400" b="1" dirty="0"/>
-          </a:p>
-          <a:p>
-            <a:pPr marL="0" lvl="0" indent="0" algn="l" rtl="0">
-              <a:spcBef>
-                <a:spcPts val="0"/>
-              </a:spcBef>
-              <a:spcAft>
-                <a:spcPts val="0"/>
-              </a:spcAft>
-              <a:buNone/>
-            </a:pPr>
-            <a:r>
-              <a:rPr lang="vi-VN" sz="2400" b="1" dirty="0"/>
-              <a:t>Lê Trọng Hảo</a:t>
-            </a:r>
-            <a:r>
-              <a:rPr lang="en" sz="2400" b="1" dirty="0"/>
-              <a:t> - 20520178</a:t>
-            </a:r>
-            <a:endParaRPr b="1" dirty="0"/>
           </a:p>
         </p:txBody>
       </p:sp>
@@ -7880,7 +8019,7 @@
           </a:bodyPr>
           <a:lstStyle/>
           <a:p>
-            <a:pPr marL="457200" lvl="0" indent="-368300" algn="l" rtl="0">
+            <a:pPr marL="457200" lvl="0" indent="-368300" algn="just" rtl="0">
               <a:spcBef>
                 <a:spcPts val="0"/>
               </a:spcBef>
@@ -7921,7 +8060,7 @@
             </a:r>
           </a:p>
           <a:p>
-            <a:pPr marL="457200" lvl="0" indent="-368300" algn="l" rtl="0">
+            <a:pPr marL="457200" lvl="0" indent="-368300" algn="just" rtl="0">
               <a:spcBef>
                 <a:spcPts val="0"/>
               </a:spcBef>
@@ -7954,7 +8093,7 @@
             </a:r>
           </a:p>
           <a:p>
-            <a:pPr marL="457200" lvl="0" indent="-368300" algn="l" rtl="0">
+            <a:pPr marL="457200" lvl="0" indent="-368300" algn="just" rtl="0">
               <a:spcBef>
                 <a:spcPts val="0"/>
               </a:spcBef>
@@ -7987,7 +8126,7 @@
             </a:r>
           </a:p>
           <a:p>
-            <a:pPr marL="457200" lvl="0" indent="-368300" algn="l" rtl="0">
+            <a:pPr marL="457200" lvl="0" indent="-368300" algn="just" rtl="0">
               <a:spcBef>
                 <a:spcPts val="0"/>
               </a:spcBef>
@@ -8044,7 +8183,7 @@
             </a:r>
           </a:p>
           <a:p>
-            <a:pPr marL="457200" lvl="0" indent="-368300" algn="l" rtl="0">
+            <a:pPr marL="457200" lvl="0" indent="-368300" algn="just" rtl="0">
               <a:spcBef>
                 <a:spcPts val="0"/>
               </a:spcBef>
@@ -8101,7 +8240,7 @@
             </a:r>
           </a:p>
           <a:p>
-            <a:pPr marL="457200" lvl="0" indent="-368300" algn="l" rtl="0">
+            <a:pPr marL="457200" lvl="0" indent="-368300" algn="just" rtl="0">
               <a:spcBef>
                 <a:spcPts val="0"/>
               </a:spcBef>
@@ -8342,7 +8481,25 @@
             </a:pPr>
             <a:r>
               <a:rPr lang="en" dirty="0"/>
-              <a:t>Link Github của nhóm: </a:t>
+              <a:t>Link </a:t>
+            </a:r>
+            <a:r>
+              <a:rPr lang="en"/>
+              <a:t>Github nhóm: </a:t>
+            </a:r>
+            <a:r>
+              <a:rPr lang="en-US">
+                <a:hlinkClick r:id="rId3"/>
+              </a:rPr>
+              <a:t>https://github.com/Phao1610/CS519.N11</a:t>
+            </a:r>
+            <a:r>
+              <a:rPr lang="en-US"/>
+              <a:t> </a:t>
+            </a:r>
+            <a:r>
+              <a:rPr lang="en"/>
+              <a:t> </a:t>
             </a:r>
             <a:endParaRPr dirty="0"/>
           </a:p>
@@ -8359,7 +8516,21 @@
             </a:pPr>
             <a:r>
               <a:rPr lang="en" dirty="0"/>
-              <a:t>Link YouTube video: </a:t>
+              <a:t>Link YouTube video</a:t>
+            </a:r>
+            <a:r>
+              <a:rPr lang="en"/>
+              <a:t>: </a:t>
+            </a:r>
+            <a:r>
+              <a:rPr lang="en-US">
+                <a:hlinkClick r:id="rId4"/>
+              </a:rPr>
+              <a:t>https://youtu.be/sdCJfK61JWg</a:t>
+            </a:r>
+            <a:r>
+              <a:rPr lang="en-US"/>
+              <a:t> </a:t>
             </a:r>
             <a:endParaRPr dirty="0"/>
           </a:p>
@@ -8428,7 +8599,7 @@
           <p:nvPr/>
         </p:nvPicPr>
         <p:blipFill>
-          <a:blip r:embed="rId3"/>
+          <a:blip r:embed="rId5"/>
           <a:stretch>
             <a:fillRect/>
           </a:stretch>
@@ -8494,7 +8665,7 @@
           <p:nvPr/>
         </p:nvPicPr>
         <p:blipFill>
-          <a:blip r:embed="rId4"/>
+          <a:blip r:embed="rId6"/>
           <a:stretch>
             <a:fillRect/>
           </a:stretch>
@@ -8560,7 +8731,7 @@
           <p:nvPr/>
         </p:nvPicPr>
         <p:blipFill>
-          <a:blip r:embed="rId5"/>
+          <a:blip r:embed="rId7"/>
           <a:stretch>
             <a:fillRect/>
           </a:stretch>
@@ -8672,7 +8843,7 @@
             </a:pPr>
             <a:r>
               <a:rPr lang="en" b="1"/>
-              <a:t>Giới thiệu</a:t>
+              <a:t>Mô tả bài toán</a:t>
             </a:r>
             <a:endParaRPr/>
           </a:p>
@@ -8703,36 +8874,6 @@
           </a:bodyPr>
           <a:lstStyle/>
           <a:p>
-            <a:pPr marL="457200" lvl="0" indent="-368300" algn="l" rtl="0">
-              <a:spcBef>
-                <a:spcPts val="0"/>
-              </a:spcBef>
-              <a:spcAft>
-                <a:spcPts val="0"/>
-              </a:spcAft>
-              <a:buSzPts val="2200"/>
-              <a:buFont typeface="Arial"/>
-              <a:buChar char="●"/>
-            </a:pPr>
-            <a:r>
-              <a:rPr lang="vi-VN" sz="2000" dirty="0"/>
-              <a:t>Đánh giá mức độ hư hại của các toà nhà sau thiên tai từ không ảnh: Đầu vào của bài toán là hình ảnh các tòa nhà được chụp từ trên không, đầu ra là hộp giới hạn hình chữ nhật tối tiểu xác định vị trí của tòa nhà và masking tối tiểu tô vùng hư hại với màu sắc dựa trên mức độ hư hại (vàng: hư hại nhẹ, cam: hư hại nặng, đỏ: đổ nát)</a:t>
-            </a:r>
-            <a:endParaRPr sz="2000" dirty="0"/>
-          </a:p>
-          <a:p>
-            <a:pPr marL="457200" lvl="0" indent="0" algn="l" rtl="0">
-              <a:spcBef>
-                <a:spcPts val="1600"/>
-              </a:spcBef>
-              <a:spcAft>
-                <a:spcPts val="0"/>
-              </a:spcAft>
-              <a:buNone/>
-            </a:pPr>
-            <a:endParaRPr lang="en-US" dirty="0"/>
-          </a:p>
-          <a:p>
             <a:pPr marL="914400" lvl="0" indent="0" algn="l" rtl="0">
               <a:spcBef>
                 <a:spcPts val="1600"/>
@@ -8768,8 +8909,8 @@
         </p:blipFill>
         <p:spPr>
           <a:xfrm>
-            <a:off x="859327" y="2809257"/>
-            <a:ext cx="2423313" cy="1585574"/>
+            <a:off x="471900" y="1702327"/>
+            <a:ext cx="2776004" cy="1816340"/>
           </a:xfrm>
           <a:prstGeom prst="rect">
             <a:avLst/>
@@ -8790,7 +8931,7 @@
         </p:nvSpPr>
         <p:spPr>
           <a:xfrm>
-            <a:off x="1367943" y="4450381"/>
+            <a:off x="1419771" y="3929814"/>
             <a:ext cx="1185062" cy="369332"/>
           </a:xfrm>
           <a:prstGeom prst="rect">
@@ -8826,8 +8967,8 @@
         </p:nvSpPr>
         <p:spPr>
           <a:xfrm>
-            <a:off x="3955638" y="3254572"/>
-            <a:ext cx="1345996" cy="694944"/>
+            <a:off x="3918315" y="2571750"/>
+            <a:ext cx="1193596" cy="644506"/>
           </a:xfrm>
           <a:prstGeom prst="roundRect">
             <a:avLst/>
@@ -8878,15 +9019,15 @@
             </a:extLst>
           </p:cNvPr>
           <p:cNvCxnSpPr>
-            <a:stCxn id="3" idx="3"/>
+            <a:cxnSpLocks/>
             <a:endCxn id="5" idx="1"/>
           </p:cNvCxnSpPr>
           <p:nvPr/>
         </p:nvCxnSpPr>
         <p:spPr>
           <a:xfrm>
-            <a:off x="3282640" y="3602044"/>
-            <a:ext cx="672998" cy="0"/>
+            <a:off x="3552704" y="2894003"/>
+            <a:ext cx="365611" cy="0"/>
           </a:xfrm>
           <a:prstGeom prst="straightConnector1">
             <a:avLst/>
@@ -8922,13 +9063,16 @@
               </a:ext>
             </a:extLst>
           </p:cNvPr>
-          <p:cNvCxnSpPr/>
+          <p:cNvCxnSpPr>
+            <a:cxnSpLocks/>
+            <a:stCxn id="5" idx="3"/>
+          </p:cNvCxnSpPr>
           <p:nvPr/>
         </p:nvCxnSpPr>
         <p:spPr>
           <a:xfrm>
-            <a:off x="5301634" y="3609359"/>
-            <a:ext cx="513950" cy="0"/>
+            <a:off x="5111911" y="2894003"/>
+            <a:ext cx="365418" cy="0"/>
           </a:xfrm>
           <a:prstGeom prst="straightConnector1">
             <a:avLst/>
@@ -8977,8 +9121,8 @@
         </p:blipFill>
         <p:spPr>
           <a:xfrm>
-            <a:off x="5815585" y="2779449"/>
-            <a:ext cx="2618842" cy="1615382"/>
+            <a:off x="5477522" y="1702327"/>
+            <a:ext cx="2956951" cy="1823938"/>
           </a:xfrm>
           <a:prstGeom prst="rect">
             <a:avLst/>
@@ -8999,7 +9143,7 @@
         </p:nvSpPr>
         <p:spPr>
           <a:xfrm>
-            <a:off x="6795822" y="4440894"/>
+            <a:off x="6770678" y="3923290"/>
             <a:ext cx="980237" cy="369332"/>
           </a:xfrm>
           <a:prstGeom prst="rect">
@@ -9021,6 +9165,126 @@
           </a:p>
         </p:txBody>
       </p:sp>
+      <p:pic>
+        <p:nvPicPr>
+          <p:cNvPr id="14" name="Picture 13">
+            <a:extLst>
+              <a:ext uri="{FF2B5EF4-FFF2-40B4-BE49-F238E27FC236}">
+                <a16:creationId xmlns:a16="http://schemas.microsoft.com/office/drawing/2014/main" id="{4FE96DC4-B88A-7027-46FC-BA18F54DB0DB}"/>
+              </a:ext>
+            </a:extLst>
+          </p:cNvPr>
+          <p:cNvPicPr>
+            <a:picLocks noChangeAspect="1"/>
+          </p:cNvPicPr>
+          <p:nvPr/>
+        </p:nvPicPr>
+        <p:blipFill>
+          <a:blip r:embed="rId3"/>
+          <a:stretch>
+            <a:fillRect/>
+          </a:stretch>
+        </p:blipFill>
+        <p:spPr>
+          <a:xfrm>
+            <a:off x="624300" y="1854727"/>
+            <a:ext cx="2776004" cy="1816340"/>
+          </a:xfrm>
+          <a:prstGeom prst="rect">
+            <a:avLst/>
+          </a:prstGeom>
+        </p:spPr>
+      </p:pic>
+      <p:pic>
+        <p:nvPicPr>
+          <p:cNvPr id="15" name="Picture 14">
+            <a:extLst>
+              <a:ext uri="{FF2B5EF4-FFF2-40B4-BE49-F238E27FC236}">
+                <a16:creationId xmlns:a16="http://schemas.microsoft.com/office/drawing/2014/main" id="{35AAFC02-9185-851C-2E13-E6381C5ED377}"/>
+              </a:ext>
+            </a:extLst>
+          </p:cNvPr>
+          <p:cNvPicPr>
+            <a:picLocks noChangeAspect="1"/>
+          </p:cNvPicPr>
+          <p:nvPr/>
+        </p:nvPicPr>
+        <p:blipFill>
+          <a:blip r:embed="rId3"/>
+          <a:stretch>
+            <a:fillRect/>
+          </a:stretch>
+        </p:blipFill>
+        <p:spPr>
+          <a:xfrm>
+            <a:off x="776700" y="2007127"/>
+            <a:ext cx="2776004" cy="1816340"/>
+          </a:xfrm>
+          <a:prstGeom prst="rect">
+            <a:avLst/>
+          </a:prstGeom>
+        </p:spPr>
+      </p:pic>
+      <p:pic>
+        <p:nvPicPr>
+          <p:cNvPr id="21" name="Picture 20">
+            <a:extLst>
+              <a:ext uri="{FF2B5EF4-FFF2-40B4-BE49-F238E27FC236}">
+                <a16:creationId xmlns:a16="http://schemas.microsoft.com/office/drawing/2014/main" id="{5847373F-5F26-33F2-E8E5-5FB4C267F578}"/>
+              </a:ext>
+            </a:extLst>
+          </p:cNvPr>
+          <p:cNvPicPr>
+            <a:picLocks noChangeAspect="1"/>
+          </p:cNvPicPr>
+          <p:nvPr/>
+        </p:nvPicPr>
+        <p:blipFill>
+          <a:blip r:embed="rId4"/>
+          <a:stretch>
+            <a:fillRect/>
+          </a:stretch>
+        </p:blipFill>
+        <p:spPr>
+          <a:xfrm>
+            <a:off x="5629922" y="1854727"/>
+            <a:ext cx="2956951" cy="1823938"/>
+          </a:xfrm>
+          <a:prstGeom prst="rect">
+            <a:avLst/>
+          </a:prstGeom>
+        </p:spPr>
+      </p:pic>
+      <p:pic>
+        <p:nvPicPr>
+          <p:cNvPr id="22" name="Picture 21">
+            <a:extLst>
+              <a:ext uri="{FF2B5EF4-FFF2-40B4-BE49-F238E27FC236}">
+                <a16:creationId xmlns:a16="http://schemas.microsoft.com/office/drawing/2014/main" id="{42310CEE-26D9-7094-0998-D19C8A96E025}"/>
+              </a:ext>
+            </a:extLst>
+          </p:cNvPr>
+          <p:cNvPicPr>
+            <a:picLocks noChangeAspect="1"/>
+          </p:cNvPicPr>
+          <p:nvPr/>
+        </p:nvPicPr>
+        <p:blipFill>
+          <a:blip r:embed="rId4"/>
+          <a:stretch>
+            <a:fillRect/>
+          </a:stretch>
+        </p:blipFill>
+        <p:spPr>
+          <a:xfrm>
+            <a:off x="5782322" y="2007127"/>
+            <a:ext cx="2956951" cy="1823938"/>
+          </a:xfrm>
+          <a:prstGeom prst="rect">
+            <a:avLst/>
+          </a:prstGeom>
+        </p:spPr>
+      </p:pic>
     </p:spTree>
   </p:cSld>
   <p:clrMapOvr>
@@ -9113,7 +9377,7 @@
           </a:bodyPr>
           <a:lstStyle/>
           <a:p>
-            <a:pPr marL="457200" lvl="0" indent="-368300" algn="l" rtl="0">
+            <a:pPr marL="457200" lvl="0" indent="-368300" algn="just" rtl="0">
               <a:spcBef>
                 <a:spcPts val="0"/>
               </a:spcBef>
@@ -9125,12 +9389,23 @@
               <a:buChar char="●"/>
             </a:pPr>
             <a:r>
-              <a:rPr lang="vi-VN" sz="2400" dirty="0"/>
+              <a:rPr lang="vi-VN"/>
               <a:t>Khí hậu đang dần thay đổi và thiên tai xảy ra rất nhiều trên thế giới.</a:t>
             </a:r>
-          </a:p>
-          <a:p>
-            <a:pPr marL="457200" lvl="0" indent="-368300" algn="l" rtl="0">
+            <a:endParaRPr lang="en-US"/>
+          </a:p>
+          <a:p>
+            <a:pPr algn="just">
+              <a:buFont typeface="Arial"/>
+              <a:buChar char="●"/>
+            </a:pPr>
+            <a:r>
+              <a:rPr lang="vi-VN"/>
+              <a:t>Để đánh giá chính xác mức độ hư hại của một tòa nhà là vấn đề không phải đơn giản và gặp nhiều thách thức.</a:t>
+            </a:r>
+          </a:p>
+          <a:p>
+            <a:pPr marL="457200" lvl="0" indent="-368300" algn="just" rtl="0">
               <a:spcBef>
                 <a:spcPts val="0"/>
               </a:spcBef>
@@ -9142,12 +9417,16 @@
               <a:buChar char="●"/>
             </a:pPr>
             <a:r>
-              <a:rPr lang="vi-VN" sz="2400" dirty="0"/>
-              <a:t>Bài toán này ra đời để nhằm mục đích ứng phó, đánh giá thiệt hại một cách kịp thời.</a:t>
-            </a:r>
-          </a:p>
-          <a:p>
-            <a:pPr marL="457200" lvl="0" indent="-368300" algn="l" rtl="0">
+              <a:rPr lang="en-US"/>
+              <a:t>Nghiên cứu này </a:t>
+            </a:r>
+            <a:r>
+              <a:rPr lang="vi-VN"/>
+              <a:t>nhằm mục đích đánh giá thiệt hại một cách kịp thời.</a:t>
+            </a:r>
+          </a:p>
+          <a:p>
+            <a:pPr marL="457200" lvl="0" indent="-368300" algn="just" rtl="0">
               <a:spcBef>
                 <a:spcPts val="0"/>
               </a:spcBef>
@@ -9159,9 +9438,24 @@
               <a:buChar char="●"/>
             </a:pPr>
             <a:r>
-              <a:rPr lang="vi-VN" sz="2400" dirty="0"/>
+              <a:rPr lang="vi-VN"/>
               <a:t>Có rất ít bộ dữ liệu được đề xuất và bộ dữ liệu ISBDA cho thấy một cách nhìn rõ ràng và đa dạng.</a:t>
             </a:r>
+          </a:p>
+          <a:p>
+            <a:pPr marL="88900" lvl="0" indent="0" algn="l" rtl="0">
+              <a:spcBef>
+                <a:spcPts val="0"/>
+              </a:spcBef>
+              <a:spcAft>
+                <a:spcPts val="0"/>
+              </a:spcAft>
+              <a:buSzPts val="2200"/>
+              <a:buNone/>
+            </a:pPr>
+            <a:endParaRPr lang="vi-VN">
+              <a:latin typeface="Roboto" panose="02000000000000000000" pitchFamily="2" charset="0"/>
+            </a:endParaRPr>
           </a:p>
           <a:p>
             <a:pPr marL="457200" lvl="0" indent="-368300" algn="l" rtl="0">
@@ -9175,39 +9469,7 @@
               <a:buFont typeface="Arial"/>
               <a:buChar char="●"/>
             </a:pPr>
-            <a:r>
-              <a:rPr lang="vi-VN" sz="2400" dirty="0"/>
-              <a:t>Để đánh giá chính xác mức độ hư hại của một tòa nhà là vấn đề không phải đơn giản và gặp nhiều thách thức.</a:t>
-            </a:r>
-          </a:p>
-          <a:p>
-            <a:pPr marL="88900" lvl="0" indent="0" algn="l" rtl="0">
-              <a:spcBef>
-                <a:spcPts val="0"/>
-              </a:spcBef>
-              <a:spcAft>
-                <a:spcPts val="0"/>
-              </a:spcAft>
-              <a:buSzPts val="2200"/>
-              <a:buNone/>
-            </a:pPr>
-            <a:endParaRPr lang="vi-VN" sz="1800" dirty="0">
-              <a:latin typeface="Roboto" panose="02000000000000000000" pitchFamily="2" charset="0"/>
-            </a:endParaRPr>
-          </a:p>
-          <a:p>
-            <a:pPr marL="457200" lvl="0" indent="-368300" algn="l" rtl="0">
-              <a:spcBef>
-                <a:spcPts val="0"/>
-              </a:spcBef>
-              <a:spcAft>
-                <a:spcPts val="0"/>
-              </a:spcAft>
-              <a:buSzPts val="2200"/>
-              <a:buFont typeface="Arial"/>
-              <a:buChar char="●"/>
-            </a:pPr>
-            <a:endParaRPr sz="1800" dirty="0"/>
+            <a:endParaRPr lang="vi-VN" dirty="0"/>
           </a:p>
         </p:txBody>
       </p:sp>
@@ -9276,10 +9538,10 @@
               <a:buNone/>
             </a:pPr>
             <a:r>
-              <a:rPr lang="en" b="1"/>
+              <a:rPr lang="en-US" b="1"/>
               <a:t>Mục tiêu</a:t>
             </a:r>
-            <a:endParaRPr/>
+            <a:endParaRPr lang="en-US"/>
           </a:p>
         </p:txBody>
       </p:sp>
@@ -9308,7 +9570,7 @@
           </a:bodyPr>
           <a:lstStyle/>
           <a:p>
-            <a:pPr marL="457200" lvl="0" indent="-368300" algn="l" rtl="0">
+            <a:pPr marL="457200" lvl="0" indent="-368300" algn="just" rtl="0">
               <a:spcBef>
                 <a:spcPts val="0"/>
               </a:spcBef>
@@ -9320,12 +9582,12 @@
               <a:buChar char="●"/>
             </a:pPr>
             <a:r>
-              <a:rPr lang="vi-VN" sz="2400" dirty="0"/>
+              <a:rPr lang="vi-VN" dirty="0"/>
               <a:t>Nghiên cứu một số thuật toán để giải quyết bài toán đã ra đời trước đây.</a:t>
             </a:r>
           </a:p>
           <a:p>
-            <a:pPr marL="457200" lvl="0" indent="-368300" algn="l" rtl="0">
+            <a:pPr marL="457200" lvl="0" indent="-368300" algn="just" rtl="0">
               <a:spcBef>
                 <a:spcPts val="0"/>
               </a:spcBef>
@@ -9337,25 +9599,12 @@
               <a:buChar char="●"/>
             </a:pPr>
             <a:r>
-              <a:rPr lang="vi-VN" sz="2400" dirty="0"/>
-              <a:t>Tìm hiểu những bộ dữ liệu phù hợp.</a:t>
-            </a:r>
-          </a:p>
-          <a:p>
-            <a:pPr marL="457200" lvl="0" indent="-368300" algn="l" rtl="0">
-              <a:spcBef>
-                <a:spcPts val="0"/>
-              </a:spcBef>
-              <a:spcAft>
-                <a:spcPts val="0"/>
-              </a:spcAft>
-              <a:buSzPts val="2200"/>
-              <a:buFont typeface="Arial"/>
-              <a:buChar char="●"/>
-            </a:pPr>
-            <a:r>
-              <a:rPr lang="vi-VN" sz="2400" dirty="0"/>
-              <a:t>Thử nghiệm mô hình trên bộ dữ liệu và tìm cách cải thiện độ chính xác cho thuật toán được chọn.</a:t>
+              <a:rPr lang="vi-VN"/>
+              <a:t>Thử </a:t>
+            </a:r>
+            <a:r>
+              <a:rPr lang="vi-VN" dirty="0"/>
+              <a:t>nghiệm mô hình trên bộ dữ liệu và tìm cách cải thiện độ chính xác cho thuật toán được chọn.</a:t>
             </a:r>
           </a:p>
           <a:p>
@@ -9500,7 +9749,7 @@
           </a:bodyPr>
           <a:lstStyle/>
           <a:p>
-            <a:pPr marL="457200" lvl="0" indent="-368300" algn="l" rtl="0">
+            <a:pPr marL="457200" lvl="0" indent="-368300" algn="just" rtl="0">
               <a:spcBef>
                 <a:spcPts val="0"/>
               </a:spcBef>
@@ -9513,11 +9762,16 @@
             </a:pPr>
             <a:r>
               <a:rPr lang="vi-VN" dirty="0"/>
-              <a:t>Tìm hiểu về bài toán bao gồm: các thách thức, các hướng giải quyết, phương pháp đã được đề xuất trước đó, độ đo và bộ dữ liệu công khai được sử dụng.</a:t>
-            </a:r>
-          </a:p>
-          <a:p>
-            <a:pPr marL="457200" lvl="0" indent="-368300" algn="l" rtl="0">
+              <a:t>Tìm hiểu về bài </a:t>
+            </a:r>
+            <a:r>
+              <a:rPr lang="vi-VN"/>
+              <a:t>toán </a:t>
+            </a:r>
+            <a:endParaRPr lang="en-US"/>
+          </a:p>
+          <a:p>
+            <a:pPr marL="457200" lvl="0" indent="-368300" algn="just" rtl="0">
               <a:spcBef>
                 <a:spcPts val="0"/>
               </a:spcBef>
@@ -9529,12 +9783,29 @@
               <a:buChar char="●"/>
             </a:pPr>
             <a:r>
+              <a:rPr lang="vi-VN"/>
+              <a:t>Phân </a:t>
+            </a:r>
+            <a:r>
               <a:rPr lang="vi-VN" dirty="0"/>
-              <a:t>Phân tích những mô hình có sẳn trước đó. Tìm ra những ưu, nhược điểm của từng mô hình. Kết hợp với các phương pháp có sẵn, sửa đổi thử nghiệm các phiên bản khác nhau để tìm ra mô hình có kết quả cao nhất.</a:t>
-            </a:r>
-          </a:p>
-          <a:p>
-            <a:pPr marL="457200" lvl="0" indent="-368300" algn="l" rtl="0">
+              <a:t>tích những mô hình </a:t>
+            </a:r>
+            <a:r>
+              <a:rPr lang="vi-VN"/>
+              <a:t>có </a:t>
+            </a:r>
+            <a:r>
+              <a:rPr lang="en-US"/>
+              <a:t>sẵn</a:t>
+            </a:r>
+            <a:r>
+              <a:rPr lang="vi-VN"/>
+              <a:t>. </a:t>
+            </a:r>
+            <a:endParaRPr lang="en-US"/>
+          </a:p>
+          <a:p>
+            <a:pPr marL="457200" lvl="0" indent="-368300" algn="just" rtl="0">
               <a:spcBef>
                 <a:spcPts val="0"/>
               </a:spcBef>
@@ -9546,12 +9817,12 @@
               <a:buChar char="●"/>
             </a:pPr>
             <a:r>
-              <a:rPr lang="vi-VN" dirty="0"/>
+              <a:rPr lang="vi-VN"/>
               <a:t>Xây dựng các mô hình và đưa ra đánh giá.</a:t>
             </a:r>
           </a:p>
           <a:p>
-            <a:pPr marL="457200" lvl="0" indent="-368300" algn="l" rtl="0">
+            <a:pPr marL="457200" lvl="0" indent="-368300" algn="just" rtl="0">
               <a:spcBef>
                 <a:spcPts val="0"/>
               </a:spcBef>
@@ -9563,7 +9834,7 @@
               <a:buChar char="●"/>
             </a:pPr>
             <a:r>
-              <a:rPr lang="vi-VN" dirty="0"/>
+              <a:rPr lang="vi-VN"/>
               <a:t>Xây dựng chương trình ứng dụng minh họa.</a:t>
             </a:r>
           </a:p>
@@ -9923,7 +10194,7 @@
           </a:bodyPr>
           <a:lstStyle/>
           <a:p>
-            <a:pPr marL="457200" lvl="0" indent="-368300" algn="l" rtl="0">
+            <a:pPr marL="457200" lvl="0" indent="-368300" algn="just" rtl="0">
               <a:spcBef>
                 <a:spcPts val="0"/>
               </a:spcBef>
@@ -9935,12 +10206,12 @@
               <a:buChar char="●"/>
             </a:pPr>
             <a:r>
-              <a:rPr lang="vi-VN" sz="2000" dirty="0"/>
+              <a:rPr lang="vi-VN" dirty="0"/>
               <a:t>Nghiên cứu phương pháp MSNet với các thành phần chính: Feature Pyramid Network, Hierarchical Region Proposal Network, Score Refinement Network, Mask R-CNN Head.</a:t>
             </a:r>
           </a:p>
           <a:p>
-            <a:pPr marL="457200" lvl="0" indent="-368300" algn="l" rtl="0">
+            <a:pPr marL="457200" lvl="0" indent="-368300" algn="just" rtl="0">
               <a:spcBef>
                 <a:spcPts val="0"/>
               </a:spcBef>
@@ -9952,12 +10223,12 @@
               <a:buChar char="●"/>
             </a:pPr>
             <a:r>
-              <a:rPr lang="vi-VN" sz="2000" dirty="0"/>
+              <a:rPr lang="vi-VN" dirty="0"/>
               <a:t>Tìm hiểu bộ dữ liệu ISBDA (1.030 hình ảnh và 2.961 chú thích). </a:t>
             </a:r>
           </a:p>
           <a:p>
-            <a:pPr marL="457200" lvl="0" indent="-368300" algn="l" rtl="0">
+            <a:pPr marL="457200" lvl="0" indent="-368300" algn="just" rtl="0">
               <a:spcBef>
                 <a:spcPts val="0"/>
               </a:spcBef>
@@ -9969,12 +10240,12 @@
               <a:buChar char="●"/>
             </a:pPr>
             <a:r>
-              <a:rPr lang="vi-VN" sz="2000" dirty="0"/>
+              <a:rPr lang="vi-VN" dirty="0"/>
               <a:t>Huấn luyện mô hình trên bộ dữ liệu, với bộ dữ liệu huấn luyện và bộ dữ liệu kiểm thử. </a:t>
             </a:r>
           </a:p>
           <a:p>
-            <a:pPr marL="457200" lvl="0" indent="-368300" algn="l" rtl="0">
+            <a:pPr marL="457200" lvl="0" indent="-368300" algn="just" rtl="0">
               <a:spcBef>
                 <a:spcPts val="0"/>
               </a:spcBef>
@@ -9986,7 +10257,7 @@
               <a:buChar char="●"/>
             </a:pPr>
             <a:r>
-              <a:rPr lang="vi-VN" sz="2000" dirty="0"/>
+              <a:rPr lang="vi-VN" dirty="0"/>
               <a:t>Tìm cách cải tiến thuật toán.</a:t>
             </a:r>
           </a:p>
@@ -10125,7 +10396,7 @@
           </a:bodyPr>
           <a:lstStyle/>
           <a:p>
-            <a:pPr>
+            <a:pPr algn="just">
               <a:buFont typeface="Arial"/>
               <a:buChar char="●"/>
             </a:pPr>
@@ -10135,7 +10406,7 @@
             </a:r>
           </a:p>
           <a:p>
-            <a:pPr>
+            <a:pPr algn="just">
               <a:buFont typeface="Arial"/>
               <a:buChar char="●"/>
             </a:pPr>
@@ -10145,7 +10416,7 @@
             </a:r>
           </a:p>
           <a:p>
-            <a:pPr marL="457200" lvl="0" indent="-368300" algn="l" rtl="0">
+            <a:pPr marL="457200" lvl="0" indent="-368300" algn="just" rtl="0">
               <a:spcBef>
                 <a:spcPts val="0"/>
               </a:spcBef>
@@ -10162,7 +10433,7 @@
             </a:r>
           </a:p>
           <a:p>
-            <a:pPr marL="457200" lvl="0" indent="-368300" algn="l" rtl="0">
+            <a:pPr marL="457200" lvl="0" indent="-368300" algn="just" rtl="0">
               <a:spcBef>
                 <a:spcPts val="0"/>
               </a:spcBef>
